--- a/Axure Presentation (1).pptx
+++ b/Axure Presentation (1).pptx
@@ -3892,8 +3892,8 @@
         </p:nvSpPr>
         <p:spPr>
           <a:xfrm>
-            <a:off x="381300" y="685800"/>
-            <a:ext cx="6096075" cy="3429000"/>
+            <a:off x="381000" y="685800"/>
+            <a:ext cx="6096000" cy="3429000"/>
           </a:xfrm>
           <a:custGeom>
             <a:avLst/>
@@ -4620,7 +4620,7 @@
         </p:nvSpPr>
         <p:spPr>
           <a:xfrm>
-            <a:off x="381300" y="685800"/>
+            <a:off x="381000" y="685800"/>
             <a:ext cx="6096000" cy="3429000"/>
           </a:xfrm>
           <a:custGeom>
@@ -19236,8 +19236,8 @@
               <a:buNone/>
             </a:pPr>
             <a:r>
-              <a:rPr lang="en" dirty="0"/>
-              <a:t>You always fear what you don’t understand</a:t>
+              <a:rPr lang="en-US" dirty="0"/>
+              <a:t>Four Rooms</a:t>
             </a:r>
             <a:endParaRPr dirty="0"/>
           </a:p>
@@ -19255,7 +19255,7 @@
         </p:nvSpPr>
         <p:spPr>
           <a:xfrm>
-            <a:off x="311700" y="2834125"/>
+            <a:off x="311708" y="2945275"/>
             <a:ext cx="8520600" cy="792600"/>
           </a:xfrm>
           <a:prstGeom prst="rect">
@@ -19278,10 +19278,67 @@
               <a:buNone/>
             </a:pPr>
             <a:r>
-              <a:rPr lang="en"/>
-              <a:t>YOU CAN BETRAY THE WEIRD GUY AND TAKE THE TREASURE FOR YOURSELF LIKE THERE WOULD BE MULTIPLE ENDINGS</a:t>
+              <a:rPr lang="en-US" sz="1800" dirty="0"/>
+              <a:t>Hailey Davidson, Ahmed </a:t>
             </a:r>
-            <a:endParaRPr/>
+            <a:r>
+              <a:rPr lang="en-US" sz="1800" dirty="0" err="1"/>
+              <a:t>Inhaam</a:t>
+            </a:r>
+            <a:r>
+              <a:rPr lang="en-US" sz="1800" dirty="0"/>
+              <a:t>, Brayden Shea, Annie </a:t>
+            </a:r>
+            <a:r>
+              <a:rPr lang="en-US" sz="1800" dirty="0" err="1"/>
+              <a:t>LaBarge</a:t>
+            </a:r>
+            <a:r>
+              <a:rPr lang="en-US" sz="1800" dirty="0"/>
+              <a:t>, Nic </a:t>
+            </a:r>
+            <a:r>
+              <a:rPr lang="en-US" sz="1800" dirty="0" err="1"/>
+              <a:t>Butorac</a:t>
+            </a:r>
+            <a:endParaRPr sz="1800" dirty="0"/>
+          </a:p>
+        </p:txBody>
+      </p:sp>
+      <p:sp>
+        <p:nvSpPr>
+          <p:cNvPr id="2" name="TextBox 1">
+            <a:extLst>
+              <a:ext uri="{FF2B5EF4-FFF2-40B4-BE49-F238E27FC236}">
+                <a16:creationId xmlns:a16="http://schemas.microsoft.com/office/drawing/2014/main" id="{A5BF1BA6-8B46-4C6B-BB0D-D9861B593D9A}"/>
+              </a:ext>
+            </a:extLst>
+          </p:cNvPr>
+          <p:cNvSpPr txBox="1"/>
+          <p:nvPr/>
+        </p:nvSpPr>
+        <p:spPr>
+          <a:xfrm>
+            <a:off x="2070847" y="1400597"/>
+            <a:ext cx="5002306" cy="307777"/>
+          </a:xfrm>
+          <a:prstGeom prst="rect">
+            <a:avLst/>
+          </a:prstGeom>
+          <a:noFill/>
+        </p:spPr>
+        <p:txBody>
+          <a:bodyPr wrap="square" rtlCol="0">
+            <a:spAutoFit/>
+          </a:bodyPr>
+          <a:lstStyle/>
+          <a:p>
+            <a:pPr algn="ctr"/>
+            <a:r>
+              <a:rPr lang="en-US" dirty="0"/>
+              <a:t>Team H: BANAH Studios Presents:</a:t>
+            </a:r>
+            <a:endParaRPr lang="en-CA" dirty="0"/>
           </a:p>
         </p:txBody>
       </p:sp>
@@ -19359,7 +19416,94 @@
           <a:bodyPr/>
           <a:lstStyle/>
           <a:p>
+            <a:r>
+              <a:rPr lang="en-US" u="sng" dirty="0"/>
+              <a:t>Tech: </a:t>
+            </a:r>
+            <a:r>
+              <a:rPr lang="en-US" dirty="0"/>
+              <a:t>Axure, simple interactions</a:t>
+            </a:r>
+          </a:p>
+          <a:p>
+            <a:r>
+              <a:rPr lang="en-US" u="sng" dirty="0"/>
+              <a:t>Mechanics: </a:t>
+            </a:r>
+            <a:r>
+              <a:rPr lang="en-US" dirty="0"/>
+              <a:t>Simple interactions </a:t>
+            </a:r>
+            <a:r>
+              <a:rPr lang="en-US" dirty="0" err="1"/>
+              <a:t>i.e</a:t>
+            </a:r>
+            <a:r>
+              <a:rPr lang="en-US" dirty="0"/>
+              <a:t> button pressing, mouse hover</a:t>
+            </a:r>
+          </a:p>
+          <a:p>
+            <a:r>
+              <a:rPr lang="en-US" u="sng" dirty="0"/>
+              <a:t>Dynamics: </a:t>
+            </a:r>
+            <a:r>
+              <a:rPr lang="en-US" dirty="0"/>
+              <a:t>Solve puzzles that allow you to progress</a:t>
+            </a:r>
+          </a:p>
+          <a:p>
+            <a:r>
+              <a:rPr lang="en-US" u="sng" dirty="0"/>
+              <a:t>Aesthetic: </a:t>
+            </a:r>
+            <a:r>
+              <a:rPr lang="en-US" dirty="0"/>
+              <a:t>Mystery, curiosity </a:t>
+            </a:r>
+          </a:p>
+          <a:p>
             <a:endParaRPr lang="en-US" dirty="0"/>
+          </a:p>
+          <a:p>
+            <a:r>
+              <a:rPr lang="en-US" u="sng" dirty="0"/>
+              <a:t>Narratives:</a:t>
+            </a:r>
+          </a:p>
+          <a:p>
+            <a:pPr lvl="1"/>
+            <a:r>
+              <a:rPr lang="en-US" i="1" dirty="0"/>
+              <a:t>Embedded: </a:t>
+            </a:r>
+            <a:r>
+              <a:rPr lang="en-US" dirty="0"/>
+              <a:t>Solve the puzzles, find the treasure</a:t>
+            </a:r>
+          </a:p>
+          <a:p>
+            <a:pPr lvl="1"/>
+            <a:r>
+              <a:rPr lang="en-US" i="1" dirty="0"/>
+              <a:t>Emergent: </a:t>
+            </a:r>
+            <a:r>
+              <a:rPr lang="en-US" dirty="0"/>
+              <a:t>How the puzzles were solved</a:t>
+            </a:r>
+          </a:p>
+          <a:p>
+            <a:pPr lvl="1"/>
+            <a:r>
+              <a:rPr lang="en-US" i="1" dirty="0"/>
+              <a:t>Interpreted: </a:t>
+            </a:r>
+            <a:r>
+              <a:rPr lang="en-US" dirty="0"/>
+              <a:t>How they see the mysterious character and his motives</a:t>
+            </a:r>
           </a:p>
         </p:txBody>
       </p:sp>
@@ -20110,7 +20254,7 @@
               <a:buChar char="●"/>
             </a:pPr>
             <a:r>
-              <a:rPr lang="en">
+              <a:rPr lang="en" dirty="0">
                 <a:latin typeface="Calibri"/>
                 <a:ea typeface="Calibri"/>
                 <a:cs typeface="Calibri"/>
@@ -20118,7 +20262,7 @@
               </a:rPr>
               <a:t>Improve graphics/look of the game</a:t>
             </a:r>
-            <a:endParaRPr>
+            <a:endParaRPr dirty="0">
               <a:latin typeface="Calibri"/>
               <a:ea typeface="Calibri"/>
               <a:cs typeface="Calibri"/>
@@ -20135,7 +20279,7 @@
               </a:spcAft>
               <a:buNone/>
             </a:pPr>
-            <a:endParaRPr>
+            <a:endParaRPr dirty="0">
               <a:latin typeface="Calibri"/>
               <a:ea typeface="Calibri"/>
               <a:cs typeface="Calibri"/>
@@ -20155,7 +20299,7 @@
               <a:buChar char="●"/>
             </a:pPr>
             <a:r>
-              <a:rPr lang="en">
+              <a:rPr lang="en" dirty="0">
                 <a:latin typeface="Calibri"/>
                 <a:ea typeface="Calibri"/>
                 <a:cs typeface="Calibri"/>
@@ -20163,7 +20307,7 @@
               </a:rPr>
               <a:t>Sound</a:t>
             </a:r>
-            <a:endParaRPr>
+            <a:endParaRPr dirty="0">
               <a:latin typeface="Calibri"/>
               <a:ea typeface="Calibri"/>
               <a:cs typeface="Calibri"/>
@@ -20180,7 +20324,7 @@
               </a:spcAft>
               <a:buNone/>
             </a:pPr>
-            <a:endParaRPr>
+            <a:endParaRPr dirty="0">
               <a:latin typeface="Calibri"/>
               <a:ea typeface="Calibri"/>
               <a:cs typeface="Calibri"/>
@@ -20200,7 +20344,7 @@
               <a:buChar char="●"/>
             </a:pPr>
             <a:r>
-              <a:rPr lang="en">
+              <a:rPr lang="en" dirty="0">
                 <a:latin typeface="Calibri"/>
                 <a:ea typeface="Calibri"/>
                 <a:cs typeface="Calibri"/>
@@ -20208,7 +20352,7 @@
               </a:rPr>
               <a:t>Clearer communication</a:t>
             </a:r>
-            <a:endParaRPr>
+            <a:endParaRPr dirty="0">
               <a:latin typeface="Calibri"/>
               <a:ea typeface="Calibri"/>
               <a:cs typeface="Calibri"/>
@@ -20225,7 +20369,7 @@
               </a:spcAft>
               <a:buNone/>
             </a:pPr>
-            <a:endParaRPr>
+            <a:endParaRPr dirty="0">
               <a:latin typeface="Calibri"/>
               <a:ea typeface="Calibri"/>
               <a:cs typeface="Calibri"/>
@@ -20245,7 +20389,7 @@
               <a:buChar char="●"/>
             </a:pPr>
             <a:r>
-              <a:rPr lang="en">
+              <a:rPr lang="en" dirty="0">
                 <a:latin typeface="Calibri"/>
                 <a:ea typeface="Calibri"/>
                 <a:cs typeface="Calibri"/>
@@ -20253,7 +20397,48 @@
               </a:rPr>
               <a:t>More interesting puzzles</a:t>
             </a:r>
-            <a:endParaRPr>
+          </a:p>
+          <a:p>
+            <a:pPr marL="457200" lvl="0" indent="-317500" algn="l" rtl="0">
+              <a:spcBef>
+                <a:spcPts val="0"/>
+              </a:spcBef>
+              <a:spcAft>
+                <a:spcPts val="0"/>
+              </a:spcAft>
+              <a:buSzPts val="1400"/>
+              <a:buFont typeface="Calibri"/>
+              <a:buChar char="●"/>
+            </a:pPr>
+            <a:endParaRPr lang="en" dirty="0">
+              <a:latin typeface="Calibri"/>
+              <a:ea typeface="Calibri"/>
+              <a:cs typeface="Calibri"/>
+              <a:sym typeface="Calibri"/>
+            </a:endParaRPr>
+          </a:p>
+          <a:p>
+            <a:pPr marL="457200" lvl="0" indent="-317500" algn="l" rtl="0">
+              <a:spcBef>
+                <a:spcPts val="0"/>
+              </a:spcBef>
+              <a:spcAft>
+                <a:spcPts val="0"/>
+              </a:spcAft>
+              <a:buSzPts val="1400"/>
+              <a:buFont typeface="Calibri"/>
+              <a:buChar char="●"/>
+            </a:pPr>
+            <a:r>
+              <a:rPr lang="en" dirty="0">
+                <a:latin typeface="Calibri"/>
+                <a:ea typeface="Calibri"/>
+                <a:cs typeface="Calibri"/>
+                <a:sym typeface="Calibri"/>
+              </a:rPr>
+              <a:t>Get everyone on the repository</a:t>
+            </a:r>
+            <a:endParaRPr dirty="0">
               <a:latin typeface="Calibri"/>
               <a:ea typeface="Calibri"/>
               <a:cs typeface="Calibri"/>
